--- a/ppt 16-9/1020.倚靠耶和华.pptx
+++ b/ppt 16-9/1020.倚靠耶和华.pptx
@@ -129,7 +129,7 @@
           <p:cNvPr id="2" name="标题 1">
             <a:extLst>
               <a:ext uri="{FF2B5EF4-FFF2-40B4-BE49-F238E27FC236}">
-                <a16:creationId xmlns:a16="http://schemas.microsoft.com/office/drawing/2014/main" id="{62B3F261-C626-0A9D-7482-1ABCEB156ED1}"/>
+                <a16:creationId xmlns:a16="http://schemas.microsoft.com/office/drawing/2014/main" id="{A29FE0A0-52D5-6D3A-B610-6E7B8333E330}"/>
               </a:ext>
             </a:extLst>
           </p:cNvPr>
@@ -166,7 +166,7 @@
           <p:cNvPr id="3" name="副标题 2">
             <a:extLst>
               <a:ext uri="{FF2B5EF4-FFF2-40B4-BE49-F238E27FC236}">
-                <a16:creationId xmlns:a16="http://schemas.microsoft.com/office/drawing/2014/main" id="{ACD24681-2E5A-AB59-2BFC-21AA08D45647}"/>
+                <a16:creationId xmlns:a16="http://schemas.microsoft.com/office/drawing/2014/main" id="{D0A335B3-9E16-EFDC-2116-0EB752044898}"/>
               </a:ext>
             </a:extLst>
           </p:cNvPr>
@@ -236,7 +236,7 @@
           <p:cNvPr id="4" name="日期占位符 3">
             <a:extLst>
               <a:ext uri="{FF2B5EF4-FFF2-40B4-BE49-F238E27FC236}">
-                <a16:creationId xmlns:a16="http://schemas.microsoft.com/office/drawing/2014/main" id="{80C427AB-D043-5733-CE28-66F5CB3092B3}"/>
+                <a16:creationId xmlns:a16="http://schemas.microsoft.com/office/drawing/2014/main" id="{C73DF1AA-C6D8-C620-AC3B-1C15389EFB6A}"/>
               </a:ext>
             </a:extLst>
           </p:cNvPr>
@@ -252,7 +252,7 @@
           <a:bodyPr/>
           <a:lstStyle/>
           <a:p>
-            <a:fld id="{EAEDEE8C-67C9-4E2E-9067-5C5476BBB9AC}" type="datetimeFigureOut">
+            <a:fld id="{E539091C-0B9E-453B-AC17-4CE9C9DCA377}" type="datetimeFigureOut">
               <a:rPr lang="zh-CN" altLang="en-US" smtClean="0"/>
               <a:t>2024/3/10</a:t>
             </a:fld>
@@ -265,7 +265,7 @@
           <p:cNvPr id="5" name="页脚占位符 4">
             <a:extLst>
               <a:ext uri="{FF2B5EF4-FFF2-40B4-BE49-F238E27FC236}">
-                <a16:creationId xmlns:a16="http://schemas.microsoft.com/office/drawing/2014/main" id="{E4BE1E53-16E5-FF0E-0525-15479F59A6FD}"/>
+                <a16:creationId xmlns:a16="http://schemas.microsoft.com/office/drawing/2014/main" id="{3C9881EC-CE2B-E7CA-A1F8-9882033773CF}"/>
               </a:ext>
             </a:extLst>
           </p:cNvPr>
@@ -290,7 +290,7 @@
           <p:cNvPr id="6" name="灯片编号占位符 5">
             <a:extLst>
               <a:ext uri="{FF2B5EF4-FFF2-40B4-BE49-F238E27FC236}">
-                <a16:creationId xmlns:a16="http://schemas.microsoft.com/office/drawing/2014/main" id="{0E66B498-3797-1447-FCC8-E4478723F7BB}"/>
+                <a16:creationId xmlns:a16="http://schemas.microsoft.com/office/drawing/2014/main" id="{5622B11D-1FD9-67B4-847D-970BB02A71EA}"/>
               </a:ext>
             </a:extLst>
           </p:cNvPr>
@@ -306,7 +306,7 @@
           <a:bodyPr/>
           <a:lstStyle/>
           <a:p>
-            <a:fld id="{7C78FC23-D023-449F-8CBD-53A61B1E3AB0}" type="slidenum">
+            <a:fld id="{8C5FD1FF-A2D4-483A-825E-C0A1A46EA83A}" type="slidenum">
               <a:rPr lang="zh-CN" altLang="en-US" smtClean="0"/>
               <a:t>‹#›</a:t>
             </a:fld>
@@ -317,7 +317,7 @@
     </p:spTree>
     <p:extLst>
       <p:ext uri="{BB962C8B-B14F-4D97-AF65-F5344CB8AC3E}">
-        <p14:creationId xmlns:p14="http://schemas.microsoft.com/office/powerpoint/2010/main" val="3352824908"/>
+        <p14:creationId xmlns:p14="http://schemas.microsoft.com/office/powerpoint/2010/main" val="3895622760"/>
       </p:ext>
     </p:extLst>
   </p:cSld>
@@ -349,7 +349,7 @@
           <p:cNvPr id="2" name="标题 1">
             <a:extLst>
               <a:ext uri="{FF2B5EF4-FFF2-40B4-BE49-F238E27FC236}">
-                <a16:creationId xmlns:a16="http://schemas.microsoft.com/office/drawing/2014/main" id="{D83AAADF-3EE3-1A2D-7688-1F348AA07EBA}"/>
+                <a16:creationId xmlns:a16="http://schemas.microsoft.com/office/drawing/2014/main" id="{9D561ABC-441F-34C0-BB05-177A67F78981}"/>
               </a:ext>
             </a:extLst>
           </p:cNvPr>
@@ -377,7 +377,7 @@
           <p:cNvPr id="3" name="竖排文字占位符 2">
             <a:extLst>
               <a:ext uri="{FF2B5EF4-FFF2-40B4-BE49-F238E27FC236}">
-                <a16:creationId xmlns:a16="http://schemas.microsoft.com/office/drawing/2014/main" id="{5DE20536-ED4A-9D7F-4460-31B91A890B78}"/>
+                <a16:creationId xmlns:a16="http://schemas.microsoft.com/office/drawing/2014/main" id="{1B30A115-1DED-DA42-D923-E4D1F415B9B1}"/>
               </a:ext>
             </a:extLst>
           </p:cNvPr>
@@ -434,7 +434,7 @@
           <p:cNvPr id="4" name="日期占位符 3">
             <a:extLst>
               <a:ext uri="{FF2B5EF4-FFF2-40B4-BE49-F238E27FC236}">
-                <a16:creationId xmlns:a16="http://schemas.microsoft.com/office/drawing/2014/main" id="{B11990E3-4837-4FF4-A241-2BCDB12C61EE}"/>
+                <a16:creationId xmlns:a16="http://schemas.microsoft.com/office/drawing/2014/main" id="{DAEB934D-AC6C-FE9B-7636-52238D8B3AEB}"/>
               </a:ext>
             </a:extLst>
           </p:cNvPr>
@@ -450,7 +450,7 @@
           <a:bodyPr/>
           <a:lstStyle/>
           <a:p>
-            <a:fld id="{EAEDEE8C-67C9-4E2E-9067-5C5476BBB9AC}" type="datetimeFigureOut">
+            <a:fld id="{E539091C-0B9E-453B-AC17-4CE9C9DCA377}" type="datetimeFigureOut">
               <a:rPr lang="zh-CN" altLang="en-US" smtClean="0"/>
               <a:t>2024/3/10</a:t>
             </a:fld>
@@ -463,7 +463,7 @@
           <p:cNvPr id="5" name="页脚占位符 4">
             <a:extLst>
               <a:ext uri="{FF2B5EF4-FFF2-40B4-BE49-F238E27FC236}">
-                <a16:creationId xmlns:a16="http://schemas.microsoft.com/office/drawing/2014/main" id="{56DD6A7D-B344-A372-C89F-25D22AA4170F}"/>
+                <a16:creationId xmlns:a16="http://schemas.microsoft.com/office/drawing/2014/main" id="{E633B454-B376-E131-3E7E-C0AC32D979C3}"/>
               </a:ext>
             </a:extLst>
           </p:cNvPr>
@@ -488,7 +488,7 @@
           <p:cNvPr id="6" name="灯片编号占位符 5">
             <a:extLst>
               <a:ext uri="{FF2B5EF4-FFF2-40B4-BE49-F238E27FC236}">
-                <a16:creationId xmlns:a16="http://schemas.microsoft.com/office/drawing/2014/main" id="{A3CB8CF6-7948-C0D8-2374-C411E915011D}"/>
+                <a16:creationId xmlns:a16="http://schemas.microsoft.com/office/drawing/2014/main" id="{B8D971E2-0717-950F-A799-2C415F12465E}"/>
               </a:ext>
             </a:extLst>
           </p:cNvPr>
@@ -504,7 +504,7 @@
           <a:bodyPr/>
           <a:lstStyle/>
           <a:p>
-            <a:fld id="{7C78FC23-D023-449F-8CBD-53A61B1E3AB0}" type="slidenum">
+            <a:fld id="{8C5FD1FF-A2D4-483A-825E-C0A1A46EA83A}" type="slidenum">
               <a:rPr lang="zh-CN" altLang="en-US" smtClean="0"/>
               <a:t>‹#›</a:t>
             </a:fld>
@@ -515,7 +515,7 @@
     </p:spTree>
     <p:extLst>
       <p:ext uri="{BB962C8B-B14F-4D97-AF65-F5344CB8AC3E}">
-        <p14:creationId xmlns:p14="http://schemas.microsoft.com/office/powerpoint/2010/main" val="2024671807"/>
+        <p14:creationId xmlns:p14="http://schemas.microsoft.com/office/powerpoint/2010/main" val="1932808183"/>
       </p:ext>
     </p:extLst>
   </p:cSld>
@@ -547,7 +547,7 @@
           <p:cNvPr id="2" name="竖排标题 1">
             <a:extLst>
               <a:ext uri="{FF2B5EF4-FFF2-40B4-BE49-F238E27FC236}">
-                <a16:creationId xmlns:a16="http://schemas.microsoft.com/office/drawing/2014/main" id="{022CD5D4-60F3-9F5C-B29C-559CE8BC581E}"/>
+                <a16:creationId xmlns:a16="http://schemas.microsoft.com/office/drawing/2014/main" id="{6624CE88-AF65-C38D-C529-7CADF9CD20CD}"/>
               </a:ext>
             </a:extLst>
           </p:cNvPr>
@@ -580,7 +580,7 @@
           <p:cNvPr id="3" name="竖排文字占位符 2">
             <a:extLst>
               <a:ext uri="{FF2B5EF4-FFF2-40B4-BE49-F238E27FC236}">
-                <a16:creationId xmlns:a16="http://schemas.microsoft.com/office/drawing/2014/main" id="{37B5151A-AA8E-C030-5554-0EDD09BBAA4A}"/>
+                <a16:creationId xmlns:a16="http://schemas.microsoft.com/office/drawing/2014/main" id="{B4D5CA66-4955-2E86-33C6-B65B1EDD0ACE}"/>
               </a:ext>
             </a:extLst>
           </p:cNvPr>
@@ -642,7 +642,7 @@
           <p:cNvPr id="4" name="日期占位符 3">
             <a:extLst>
               <a:ext uri="{FF2B5EF4-FFF2-40B4-BE49-F238E27FC236}">
-                <a16:creationId xmlns:a16="http://schemas.microsoft.com/office/drawing/2014/main" id="{46ED5E62-485E-593C-E73D-A2076C07E9D5}"/>
+                <a16:creationId xmlns:a16="http://schemas.microsoft.com/office/drawing/2014/main" id="{510600D4-57FC-85E7-7E07-E8D25548EE42}"/>
               </a:ext>
             </a:extLst>
           </p:cNvPr>
@@ -658,7 +658,7 @@
           <a:bodyPr/>
           <a:lstStyle/>
           <a:p>
-            <a:fld id="{EAEDEE8C-67C9-4E2E-9067-5C5476BBB9AC}" type="datetimeFigureOut">
+            <a:fld id="{E539091C-0B9E-453B-AC17-4CE9C9DCA377}" type="datetimeFigureOut">
               <a:rPr lang="zh-CN" altLang="en-US" smtClean="0"/>
               <a:t>2024/3/10</a:t>
             </a:fld>
@@ -671,7 +671,7 @@
           <p:cNvPr id="5" name="页脚占位符 4">
             <a:extLst>
               <a:ext uri="{FF2B5EF4-FFF2-40B4-BE49-F238E27FC236}">
-                <a16:creationId xmlns:a16="http://schemas.microsoft.com/office/drawing/2014/main" id="{EBEF7514-2538-B95B-4D0B-AB421CC35CC7}"/>
+                <a16:creationId xmlns:a16="http://schemas.microsoft.com/office/drawing/2014/main" id="{A4F4FB20-207B-E84E-E885-737DD8A9F99F}"/>
               </a:ext>
             </a:extLst>
           </p:cNvPr>
@@ -696,7 +696,7 @@
           <p:cNvPr id="6" name="灯片编号占位符 5">
             <a:extLst>
               <a:ext uri="{FF2B5EF4-FFF2-40B4-BE49-F238E27FC236}">
-                <a16:creationId xmlns:a16="http://schemas.microsoft.com/office/drawing/2014/main" id="{FB27F696-3355-B71B-7295-572AAECEB3AC}"/>
+                <a16:creationId xmlns:a16="http://schemas.microsoft.com/office/drawing/2014/main" id="{40A77952-C6A9-0FDA-B98E-0D2B68E06483}"/>
               </a:ext>
             </a:extLst>
           </p:cNvPr>
@@ -712,7 +712,7 @@
           <a:bodyPr/>
           <a:lstStyle/>
           <a:p>
-            <a:fld id="{7C78FC23-D023-449F-8CBD-53A61B1E3AB0}" type="slidenum">
+            <a:fld id="{8C5FD1FF-A2D4-483A-825E-C0A1A46EA83A}" type="slidenum">
               <a:rPr lang="zh-CN" altLang="en-US" smtClean="0"/>
               <a:t>‹#›</a:t>
             </a:fld>
@@ -723,7 +723,7 @@
     </p:spTree>
     <p:extLst>
       <p:ext uri="{BB962C8B-B14F-4D97-AF65-F5344CB8AC3E}">
-        <p14:creationId xmlns:p14="http://schemas.microsoft.com/office/powerpoint/2010/main" val="3939538407"/>
+        <p14:creationId xmlns:p14="http://schemas.microsoft.com/office/powerpoint/2010/main" val="293538271"/>
       </p:ext>
     </p:extLst>
   </p:cSld>
@@ -755,7 +755,7 @@
           <p:cNvPr id="2" name="标题 1">
             <a:extLst>
               <a:ext uri="{FF2B5EF4-FFF2-40B4-BE49-F238E27FC236}">
-                <a16:creationId xmlns:a16="http://schemas.microsoft.com/office/drawing/2014/main" id="{2429B37D-99A9-931E-9893-3F6ED403642E}"/>
+                <a16:creationId xmlns:a16="http://schemas.microsoft.com/office/drawing/2014/main" id="{11E097B3-FBC3-7C73-3EC8-A32B7F2E9E23}"/>
               </a:ext>
             </a:extLst>
           </p:cNvPr>
@@ -783,7 +783,7 @@
           <p:cNvPr id="3" name="内容占位符 2">
             <a:extLst>
               <a:ext uri="{FF2B5EF4-FFF2-40B4-BE49-F238E27FC236}">
-                <a16:creationId xmlns:a16="http://schemas.microsoft.com/office/drawing/2014/main" id="{C0445632-F604-ADBD-76F5-D10316BB9253}"/>
+                <a16:creationId xmlns:a16="http://schemas.microsoft.com/office/drawing/2014/main" id="{9B4C4671-96B5-17C8-F7BB-7F3E21B87C12}"/>
               </a:ext>
             </a:extLst>
           </p:cNvPr>
@@ -840,7 +840,7 @@
           <p:cNvPr id="4" name="日期占位符 3">
             <a:extLst>
               <a:ext uri="{FF2B5EF4-FFF2-40B4-BE49-F238E27FC236}">
-                <a16:creationId xmlns:a16="http://schemas.microsoft.com/office/drawing/2014/main" id="{970FAEAD-6BFA-522F-62B8-1845A8017C50}"/>
+                <a16:creationId xmlns:a16="http://schemas.microsoft.com/office/drawing/2014/main" id="{5FA4DABF-AFAD-F3EB-C541-D56D4CD9D911}"/>
               </a:ext>
             </a:extLst>
           </p:cNvPr>
@@ -856,7 +856,7 @@
           <a:bodyPr/>
           <a:lstStyle/>
           <a:p>
-            <a:fld id="{EAEDEE8C-67C9-4E2E-9067-5C5476BBB9AC}" type="datetimeFigureOut">
+            <a:fld id="{E539091C-0B9E-453B-AC17-4CE9C9DCA377}" type="datetimeFigureOut">
               <a:rPr lang="zh-CN" altLang="en-US" smtClean="0"/>
               <a:t>2024/3/10</a:t>
             </a:fld>
@@ -869,7 +869,7 @@
           <p:cNvPr id="5" name="页脚占位符 4">
             <a:extLst>
               <a:ext uri="{FF2B5EF4-FFF2-40B4-BE49-F238E27FC236}">
-                <a16:creationId xmlns:a16="http://schemas.microsoft.com/office/drawing/2014/main" id="{DA9A70CF-8F87-0C2B-6503-1FF604CE9937}"/>
+                <a16:creationId xmlns:a16="http://schemas.microsoft.com/office/drawing/2014/main" id="{C09CEC16-54A2-FDDE-5961-8DBD76B24823}"/>
               </a:ext>
             </a:extLst>
           </p:cNvPr>
@@ -894,7 +894,7 @@
           <p:cNvPr id="6" name="灯片编号占位符 5">
             <a:extLst>
               <a:ext uri="{FF2B5EF4-FFF2-40B4-BE49-F238E27FC236}">
-                <a16:creationId xmlns:a16="http://schemas.microsoft.com/office/drawing/2014/main" id="{0EF2F239-8A87-B3DB-D72F-70D7D762F4BC}"/>
+                <a16:creationId xmlns:a16="http://schemas.microsoft.com/office/drawing/2014/main" id="{A9593666-891B-F5BB-99AC-66E5099831CC}"/>
               </a:ext>
             </a:extLst>
           </p:cNvPr>
@@ -910,7 +910,7 @@
           <a:bodyPr/>
           <a:lstStyle/>
           <a:p>
-            <a:fld id="{7C78FC23-D023-449F-8CBD-53A61B1E3AB0}" type="slidenum">
+            <a:fld id="{8C5FD1FF-A2D4-483A-825E-C0A1A46EA83A}" type="slidenum">
               <a:rPr lang="zh-CN" altLang="en-US" smtClean="0"/>
               <a:t>‹#›</a:t>
             </a:fld>
@@ -921,7 +921,7 @@
     </p:spTree>
     <p:extLst>
       <p:ext uri="{BB962C8B-B14F-4D97-AF65-F5344CB8AC3E}">
-        <p14:creationId xmlns:p14="http://schemas.microsoft.com/office/powerpoint/2010/main" val="1243172189"/>
+        <p14:creationId xmlns:p14="http://schemas.microsoft.com/office/powerpoint/2010/main" val="1108055707"/>
       </p:ext>
     </p:extLst>
   </p:cSld>
@@ -953,7 +953,7 @@
           <p:cNvPr id="2" name="标题 1">
             <a:extLst>
               <a:ext uri="{FF2B5EF4-FFF2-40B4-BE49-F238E27FC236}">
-                <a16:creationId xmlns:a16="http://schemas.microsoft.com/office/drawing/2014/main" id="{24B511B6-9AE8-B643-10E8-430D5654FD02}"/>
+                <a16:creationId xmlns:a16="http://schemas.microsoft.com/office/drawing/2014/main" id="{0B4C1ED4-F418-2EA9-C0C3-96388011F0AF}"/>
               </a:ext>
             </a:extLst>
           </p:cNvPr>
@@ -990,7 +990,7 @@
           <p:cNvPr id="3" name="文本占位符 2">
             <a:extLst>
               <a:ext uri="{FF2B5EF4-FFF2-40B4-BE49-F238E27FC236}">
-                <a16:creationId xmlns:a16="http://schemas.microsoft.com/office/drawing/2014/main" id="{F6A16883-9DA1-3BDF-A3B2-2D3D7340EA73}"/>
+                <a16:creationId xmlns:a16="http://schemas.microsoft.com/office/drawing/2014/main" id="{38FA63C1-F9F2-6F62-685D-E9E86E016E1D}"/>
               </a:ext>
             </a:extLst>
           </p:cNvPr>
@@ -1115,7 +1115,7 @@
           <p:cNvPr id="4" name="日期占位符 3">
             <a:extLst>
               <a:ext uri="{FF2B5EF4-FFF2-40B4-BE49-F238E27FC236}">
-                <a16:creationId xmlns:a16="http://schemas.microsoft.com/office/drawing/2014/main" id="{7DB135BD-23B6-E6B7-7ED9-55EFD66549CD}"/>
+                <a16:creationId xmlns:a16="http://schemas.microsoft.com/office/drawing/2014/main" id="{46042829-69B8-8146-3236-BB9DFCB3783D}"/>
               </a:ext>
             </a:extLst>
           </p:cNvPr>
@@ -1131,7 +1131,7 @@
           <a:bodyPr/>
           <a:lstStyle/>
           <a:p>
-            <a:fld id="{EAEDEE8C-67C9-4E2E-9067-5C5476BBB9AC}" type="datetimeFigureOut">
+            <a:fld id="{E539091C-0B9E-453B-AC17-4CE9C9DCA377}" type="datetimeFigureOut">
               <a:rPr lang="zh-CN" altLang="en-US" smtClean="0"/>
               <a:t>2024/3/10</a:t>
             </a:fld>
@@ -1144,7 +1144,7 @@
           <p:cNvPr id="5" name="页脚占位符 4">
             <a:extLst>
               <a:ext uri="{FF2B5EF4-FFF2-40B4-BE49-F238E27FC236}">
-                <a16:creationId xmlns:a16="http://schemas.microsoft.com/office/drawing/2014/main" id="{C62A0132-0E92-3AEC-EE95-06BD0E02D2DC}"/>
+                <a16:creationId xmlns:a16="http://schemas.microsoft.com/office/drawing/2014/main" id="{2DA2C8CB-8945-EDC4-19FB-84124112C98E}"/>
               </a:ext>
             </a:extLst>
           </p:cNvPr>
@@ -1169,7 +1169,7 @@
           <p:cNvPr id="6" name="灯片编号占位符 5">
             <a:extLst>
               <a:ext uri="{FF2B5EF4-FFF2-40B4-BE49-F238E27FC236}">
-                <a16:creationId xmlns:a16="http://schemas.microsoft.com/office/drawing/2014/main" id="{66E6411C-55D6-C8C0-01EA-E037A73A8A1F}"/>
+                <a16:creationId xmlns:a16="http://schemas.microsoft.com/office/drawing/2014/main" id="{FDD3A65F-E53D-DF42-F532-0FFC26EA1778}"/>
               </a:ext>
             </a:extLst>
           </p:cNvPr>
@@ -1185,7 +1185,7 @@
           <a:bodyPr/>
           <a:lstStyle/>
           <a:p>
-            <a:fld id="{7C78FC23-D023-449F-8CBD-53A61B1E3AB0}" type="slidenum">
+            <a:fld id="{8C5FD1FF-A2D4-483A-825E-C0A1A46EA83A}" type="slidenum">
               <a:rPr lang="zh-CN" altLang="en-US" smtClean="0"/>
               <a:t>‹#›</a:t>
             </a:fld>
@@ -1196,7 +1196,7 @@
     </p:spTree>
     <p:extLst>
       <p:ext uri="{BB962C8B-B14F-4D97-AF65-F5344CB8AC3E}">
-        <p14:creationId xmlns:p14="http://schemas.microsoft.com/office/powerpoint/2010/main" val="3978605839"/>
+        <p14:creationId xmlns:p14="http://schemas.microsoft.com/office/powerpoint/2010/main" val="4263444060"/>
       </p:ext>
     </p:extLst>
   </p:cSld>
@@ -1228,7 +1228,7 @@
           <p:cNvPr id="2" name="标题 1">
             <a:extLst>
               <a:ext uri="{FF2B5EF4-FFF2-40B4-BE49-F238E27FC236}">
-                <a16:creationId xmlns:a16="http://schemas.microsoft.com/office/drawing/2014/main" id="{D2498960-2D4E-CF9A-8FAA-C0855EEA57C5}"/>
+                <a16:creationId xmlns:a16="http://schemas.microsoft.com/office/drawing/2014/main" id="{12DD6A02-7079-5539-187C-9061D9D615A9}"/>
               </a:ext>
             </a:extLst>
           </p:cNvPr>
@@ -1256,7 +1256,7 @@
           <p:cNvPr id="3" name="内容占位符 2">
             <a:extLst>
               <a:ext uri="{FF2B5EF4-FFF2-40B4-BE49-F238E27FC236}">
-                <a16:creationId xmlns:a16="http://schemas.microsoft.com/office/drawing/2014/main" id="{EC0A6B21-1F57-6997-7491-DEC570B1A778}"/>
+                <a16:creationId xmlns:a16="http://schemas.microsoft.com/office/drawing/2014/main" id="{F5DE7E93-2F63-11A8-F713-0C4C999AE0C5}"/>
               </a:ext>
             </a:extLst>
           </p:cNvPr>
@@ -1318,7 +1318,7 @@
           <p:cNvPr id="4" name="内容占位符 3">
             <a:extLst>
               <a:ext uri="{FF2B5EF4-FFF2-40B4-BE49-F238E27FC236}">
-                <a16:creationId xmlns:a16="http://schemas.microsoft.com/office/drawing/2014/main" id="{59DF2ED1-67D0-8C4B-6E37-7FCF1D4777C3}"/>
+                <a16:creationId xmlns:a16="http://schemas.microsoft.com/office/drawing/2014/main" id="{E7A3CF47-4763-F588-4D6F-886650AF528C}"/>
               </a:ext>
             </a:extLst>
           </p:cNvPr>
@@ -1380,7 +1380,7 @@
           <p:cNvPr id="5" name="日期占位符 4">
             <a:extLst>
               <a:ext uri="{FF2B5EF4-FFF2-40B4-BE49-F238E27FC236}">
-                <a16:creationId xmlns:a16="http://schemas.microsoft.com/office/drawing/2014/main" id="{CD4F3FCE-6531-430B-AC27-EEE1F72851DD}"/>
+                <a16:creationId xmlns:a16="http://schemas.microsoft.com/office/drawing/2014/main" id="{FE749B1B-10D9-EF33-4ADD-950C77F2A5D9}"/>
               </a:ext>
             </a:extLst>
           </p:cNvPr>
@@ -1396,7 +1396,7 @@
           <a:bodyPr/>
           <a:lstStyle/>
           <a:p>
-            <a:fld id="{EAEDEE8C-67C9-4E2E-9067-5C5476BBB9AC}" type="datetimeFigureOut">
+            <a:fld id="{E539091C-0B9E-453B-AC17-4CE9C9DCA377}" type="datetimeFigureOut">
               <a:rPr lang="zh-CN" altLang="en-US" smtClean="0"/>
               <a:t>2024/3/10</a:t>
             </a:fld>
@@ -1409,7 +1409,7 @@
           <p:cNvPr id="6" name="页脚占位符 5">
             <a:extLst>
               <a:ext uri="{FF2B5EF4-FFF2-40B4-BE49-F238E27FC236}">
-                <a16:creationId xmlns:a16="http://schemas.microsoft.com/office/drawing/2014/main" id="{47D232B4-5601-37DF-1078-BC25728A7F1E}"/>
+                <a16:creationId xmlns:a16="http://schemas.microsoft.com/office/drawing/2014/main" id="{F80FEE2A-BA2C-E201-8779-E3B6F029D355}"/>
               </a:ext>
             </a:extLst>
           </p:cNvPr>
@@ -1434,7 +1434,7 @@
           <p:cNvPr id="7" name="灯片编号占位符 6">
             <a:extLst>
               <a:ext uri="{FF2B5EF4-FFF2-40B4-BE49-F238E27FC236}">
-                <a16:creationId xmlns:a16="http://schemas.microsoft.com/office/drawing/2014/main" id="{136A8E6A-28F3-5CBB-F28B-229B18EC36CE}"/>
+                <a16:creationId xmlns:a16="http://schemas.microsoft.com/office/drawing/2014/main" id="{ADA744A9-DEC5-D7DD-AAC6-B8DE7E0F4FE2}"/>
               </a:ext>
             </a:extLst>
           </p:cNvPr>
@@ -1450,7 +1450,7 @@
           <a:bodyPr/>
           <a:lstStyle/>
           <a:p>
-            <a:fld id="{7C78FC23-D023-449F-8CBD-53A61B1E3AB0}" type="slidenum">
+            <a:fld id="{8C5FD1FF-A2D4-483A-825E-C0A1A46EA83A}" type="slidenum">
               <a:rPr lang="zh-CN" altLang="en-US" smtClean="0"/>
               <a:t>‹#›</a:t>
             </a:fld>
@@ -1461,7 +1461,7 @@
     </p:spTree>
     <p:extLst>
       <p:ext uri="{BB962C8B-B14F-4D97-AF65-F5344CB8AC3E}">
-        <p14:creationId xmlns:p14="http://schemas.microsoft.com/office/powerpoint/2010/main" val="3810713889"/>
+        <p14:creationId xmlns:p14="http://schemas.microsoft.com/office/powerpoint/2010/main" val="4238525775"/>
       </p:ext>
     </p:extLst>
   </p:cSld>
@@ -1493,7 +1493,7 @@
           <p:cNvPr id="2" name="标题 1">
             <a:extLst>
               <a:ext uri="{FF2B5EF4-FFF2-40B4-BE49-F238E27FC236}">
-                <a16:creationId xmlns:a16="http://schemas.microsoft.com/office/drawing/2014/main" id="{7F784272-4EFD-055F-4F51-DB3E31DFC907}"/>
+                <a16:creationId xmlns:a16="http://schemas.microsoft.com/office/drawing/2014/main" id="{F32684B4-8F9B-28B7-2797-49316E9ED1B2}"/>
               </a:ext>
             </a:extLst>
           </p:cNvPr>
@@ -1526,7 +1526,7 @@
           <p:cNvPr id="3" name="文本占位符 2">
             <a:extLst>
               <a:ext uri="{FF2B5EF4-FFF2-40B4-BE49-F238E27FC236}">
-                <a16:creationId xmlns:a16="http://schemas.microsoft.com/office/drawing/2014/main" id="{249405FD-FFB6-A1F9-AB94-CC418A020EB6}"/>
+                <a16:creationId xmlns:a16="http://schemas.microsoft.com/office/drawing/2014/main" id="{E5404038-684C-478B-7F0E-04E7850175CA}"/>
               </a:ext>
             </a:extLst>
           </p:cNvPr>
@@ -1597,7 +1597,7 @@
           <p:cNvPr id="4" name="内容占位符 3">
             <a:extLst>
               <a:ext uri="{FF2B5EF4-FFF2-40B4-BE49-F238E27FC236}">
-                <a16:creationId xmlns:a16="http://schemas.microsoft.com/office/drawing/2014/main" id="{D4EA6F6F-164D-393E-D92D-F32EF5E2D360}"/>
+                <a16:creationId xmlns:a16="http://schemas.microsoft.com/office/drawing/2014/main" id="{1FD3864E-A486-E24F-1369-FB46D9FAB0DB}"/>
               </a:ext>
             </a:extLst>
           </p:cNvPr>
@@ -1659,7 +1659,7 @@
           <p:cNvPr id="5" name="文本占位符 4">
             <a:extLst>
               <a:ext uri="{FF2B5EF4-FFF2-40B4-BE49-F238E27FC236}">
-                <a16:creationId xmlns:a16="http://schemas.microsoft.com/office/drawing/2014/main" id="{2293CE63-BDE4-B2F9-2950-2D9AA2EFBEB6}"/>
+                <a16:creationId xmlns:a16="http://schemas.microsoft.com/office/drawing/2014/main" id="{461E0362-79AE-12D2-A43D-0AED63EA148D}"/>
               </a:ext>
             </a:extLst>
           </p:cNvPr>
@@ -1730,7 +1730,7 @@
           <p:cNvPr id="6" name="内容占位符 5">
             <a:extLst>
               <a:ext uri="{FF2B5EF4-FFF2-40B4-BE49-F238E27FC236}">
-                <a16:creationId xmlns:a16="http://schemas.microsoft.com/office/drawing/2014/main" id="{D89999CE-7FCA-287D-7D05-3EBD97D8473F}"/>
+                <a16:creationId xmlns:a16="http://schemas.microsoft.com/office/drawing/2014/main" id="{5A2F1B39-25EE-69EF-6E4F-5BE9930D37FB}"/>
               </a:ext>
             </a:extLst>
           </p:cNvPr>
@@ -1792,7 +1792,7 @@
           <p:cNvPr id="7" name="日期占位符 6">
             <a:extLst>
               <a:ext uri="{FF2B5EF4-FFF2-40B4-BE49-F238E27FC236}">
-                <a16:creationId xmlns:a16="http://schemas.microsoft.com/office/drawing/2014/main" id="{3B24751B-BE96-3CAA-56A8-ABC24E5824D0}"/>
+                <a16:creationId xmlns:a16="http://schemas.microsoft.com/office/drawing/2014/main" id="{03ECAAAB-E373-D602-6267-3EC637D82777}"/>
               </a:ext>
             </a:extLst>
           </p:cNvPr>
@@ -1808,7 +1808,7 @@
           <a:bodyPr/>
           <a:lstStyle/>
           <a:p>
-            <a:fld id="{EAEDEE8C-67C9-4E2E-9067-5C5476BBB9AC}" type="datetimeFigureOut">
+            <a:fld id="{E539091C-0B9E-453B-AC17-4CE9C9DCA377}" type="datetimeFigureOut">
               <a:rPr lang="zh-CN" altLang="en-US" smtClean="0"/>
               <a:t>2024/3/10</a:t>
             </a:fld>
@@ -1821,7 +1821,7 @@
           <p:cNvPr id="8" name="页脚占位符 7">
             <a:extLst>
               <a:ext uri="{FF2B5EF4-FFF2-40B4-BE49-F238E27FC236}">
-                <a16:creationId xmlns:a16="http://schemas.microsoft.com/office/drawing/2014/main" id="{A2873269-2744-2ED8-0B87-4B2A945E6B7E}"/>
+                <a16:creationId xmlns:a16="http://schemas.microsoft.com/office/drawing/2014/main" id="{60B74923-7F15-2B2F-1B20-9253B60FB4EC}"/>
               </a:ext>
             </a:extLst>
           </p:cNvPr>
@@ -1846,7 +1846,7 @@
           <p:cNvPr id="9" name="灯片编号占位符 8">
             <a:extLst>
               <a:ext uri="{FF2B5EF4-FFF2-40B4-BE49-F238E27FC236}">
-                <a16:creationId xmlns:a16="http://schemas.microsoft.com/office/drawing/2014/main" id="{F57A19FF-755E-ADEB-B2DF-CD5968E4892D}"/>
+                <a16:creationId xmlns:a16="http://schemas.microsoft.com/office/drawing/2014/main" id="{1BB8CB8D-B6A4-83F2-F623-CB176F1CE1F5}"/>
               </a:ext>
             </a:extLst>
           </p:cNvPr>
@@ -1862,7 +1862,7 @@
           <a:bodyPr/>
           <a:lstStyle/>
           <a:p>
-            <a:fld id="{7C78FC23-D023-449F-8CBD-53A61B1E3AB0}" type="slidenum">
+            <a:fld id="{8C5FD1FF-A2D4-483A-825E-C0A1A46EA83A}" type="slidenum">
               <a:rPr lang="zh-CN" altLang="en-US" smtClean="0"/>
               <a:t>‹#›</a:t>
             </a:fld>
@@ -1873,7 +1873,7 @@
     </p:spTree>
     <p:extLst>
       <p:ext uri="{BB962C8B-B14F-4D97-AF65-F5344CB8AC3E}">
-        <p14:creationId xmlns:p14="http://schemas.microsoft.com/office/powerpoint/2010/main" val="2358472540"/>
+        <p14:creationId xmlns:p14="http://schemas.microsoft.com/office/powerpoint/2010/main" val="3628090037"/>
       </p:ext>
     </p:extLst>
   </p:cSld>
@@ -1905,7 +1905,7 @@
           <p:cNvPr id="2" name="标题 1">
             <a:extLst>
               <a:ext uri="{FF2B5EF4-FFF2-40B4-BE49-F238E27FC236}">
-                <a16:creationId xmlns:a16="http://schemas.microsoft.com/office/drawing/2014/main" id="{D387EA5E-8FDC-63E0-C6C6-3BBE83D0448A}"/>
+                <a16:creationId xmlns:a16="http://schemas.microsoft.com/office/drawing/2014/main" id="{15FF04CA-E3A4-CD88-EC33-E60503E07A35}"/>
               </a:ext>
             </a:extLst>
           </p:cNvPr>
@@ -1933,7 +1933,7 @@
           <p:cNvPr id="3" name="日期占位符 2">
             <a:extLst>
               <a:ext uri="{FF2B5EF4-FFF2-40B4-BE49-F238E27FC236}">
-                <a16:creationId xmlns:a16="http://schemas.microsoft.com/office/drawing/2014/main" id="{A88E8DDD-4234-B9AD-CECD-FFBF8281F7A3}"/>
+                <a16:creationId xmlns:a16="http://schemas.microsoft.com/office/drawing/2014/main" id="{0ED3E6BF-2208-9DF8-DBD8-87393B09AE3D}"/>
               </a:ext>
             </a:extLst>
           </p:cNvPr>
@@ -1949,7 +1949,7 @@
           <a:bodyPr/>
           <a:lstStyle/>
           <a:p>
-            <a:fld id="{EAEDEE8C-67C9-4E2E-9067-5C5476BBB9AC}" type="datetimeFigureOut">
+            <a:fld id="{E539091C-0B9E-453B-AC17-4CE9C9DCA377}" type="datetimeFigureOut">
               <a:rPr lang="zh-CN" altLang="en-US" smtClean="0"/>
               <a:t>2024/3/10</a:t>
             </a:fld>
@@ -1962,7 +1962,7 @@
           <p:cNvPr id="4" name="页脚占位符 3">
             <a:extLst>
               <a:ext uri="{FF2B5EF4-FFF2-40B4-BE49-F238E27FC236}">
-                <a16:creationId xmlns:a16="http://schemas.microsoft.com/office/drawing/2014/main" id="{90C8F53E-808D-0A14-01F1-E76155E49D6C}"/>
+                <a16:creationId xmlns:a16="http://schemas.microsoft.com/office/drawing/2014/main" id="{6F52D9F4-F922-B148-0177-FE63B3CFC7F7}"/>
               </a:ext>
             </a:extLst>
           </p:cNvPr>
@@ -1987,7 +1987,7 @@
           <p:cNvPr id="5" name="灯片编号占位符 4">
             <a:extLst>
               <a:ext uri="{FF2B5EF4-FFF2-40B4-BE49-F238E27FC236}">
-                <a16:creationId xmlns:a16="http://schemas.microsoft.com/office/drawing/2014/main" id="{8E14F45C-F1E5-A9BD-9859-6614EA2C5A82}"/>
+                <a16:creationId xmlns:a16="http://schemas.microsoft.com/office/drawing/2014/main" id="{2992B7EE-992C-1DD3-DE03-706AA6661B1D}"/>
               </a:ext>
             </a:extLst>
           </p:cNvPr>
@@ -2003,7 +2003,7 @@
           <a:bodyPr/>
           <a:lstStyle/>
           <a:p>
-            <a:fld id="{7C78FC23-D023-449F-8CBD-53A61B1E3AB0}" type="slidenum">
+            <a:fld id="{8C5FD1FF-A2D4-483A-825E-C0A1A46EA83A}" type="slidenum">
               <a:rPr lang="zh-CN" altLang="en-US" smtClean="0"/>
               <a:t>‹#›</a:t>
             </a:fld>
@@ -2014,7 +2014,7 @@
     </p:spTree>
     <p:extLst>
       <p:ext uri="{BB962C8B-B14F-4D97-AF65-F5344CB8AC3E}">
-        <p14:creationId xmlns:p14="http://schemas.microsoft.com/office/powerpoint/2010/main" val="2235686518"/>
+        <p14:creationId xmlns:p14="http://schemas.microsoft.com/office/powerpoint/2010/main" val="1916716782"/>
       </p:ext>
     </p:extLst>
   </p:cSld>
@@ -2046,7 +2046,7 @@
           <p:cNvPr id="2" name="日期占位符 1">
             <a:extLst>
               <a:ext uri="{FF2B5EF4-FFF2-40B4-BE49-F238E27FC236}">
-                <a16:creationId xmlns:a16="http://schemas.microsoft.com/office/drawing/2014/main" id="{539BCC76-C6C3-B409-36DB-F11D216122AA}"/>
+                <a16:creationId xmlns:a16="http://schemas.microsoft.com/office/drawing/2014/main" id="{60F983C3-F91D-A35A-0B32-DF70202A0649}"/>
               </a:ext>
             </a:extLst>
           </p:cNvPr>
@@ -2062,7 +2062,7 @@
           <a:bodyPr/>
           <a:lstStyle/>
           <a:p>
-            <a:fld id="{EAEDEE8C-67C9-4E2E-9067-5C5476BBB9AC}" type="datetimeFigureOut">
+            <a:fld id="{E539091C-0B9E-453B-AC17-4CE9C9DCA377}" type="datetimeFigureOut">
               <a:rPr lang="zh-CN" altLang="en-US" smtClean="0"/>
               <a:t>2024/3/10</a:t>
             </a:fld>
@@ -2075,7 +2075,7 @@
           <p:cNvPr id="3" name="页脚占位符 2">
             <a:extLst>
               <a:ext uri="{FF2B5EF4-FFF2-40B4-BE49-F238E27FC236}">
-                <a16:creationId xmlns:a16="http://schemas.microsoft.com/office/drawing/2014/main" id="{95FCF55E-BADA-85E8-E79B-16029551CEA7}"/>
+                <a16:creationId xmlns:a16="http://schemas.microsoft.com/office/drawing/2014/main" id="{70BEB527-74A1-47CD-50C0-686989DDAD96}"/>
               </a:ext>
             </a:extLst>
           </p:cNvPr>
@@ -2100,7 +2100,7 @@
           <p:cNvPr id="4" name="灯片编号占位符 3">
             <a:extLst>
               <a:ext uri="{FF2B5EF4-FFF2-40B4-BE49-F238E27FC236}">
-                <a16:creationId xmlns:a16="http://schemas.microsoft.com/office/drawing/2014/main" id="{EF634004-3B43-A3A7-29A4-A74ADA737EEA}"/>
+                <a16:creationId xmlns:a16="http://schemas.microsoft.com/office/drawing/2014/main" id="{CDACC1D5-1007-D237-083C-23E79D831EEF}"/>
               </a:ext>
             </a:extLst>
           </p:cNvPr>
@@ -2116,7 +2116,7 @@
           <a:bodyPr/>
           <a:lstStyle/>
           <a:p>
-            <a:fld id="{7C78FC23-D023-449F-8CBD-53A61B1E3AB0}" type="slidenum">
+            <a:fld id="{8C5FD1FF-A2D4-483A-825E-C0A1A46EA83A}" type="slidenum">
               <a:rPr lang="zh-CN" altLang="en-US" smtClean="0"/>
               <a:t>‹#›</a:t>
             </a:fld>
@@ -2127,7 +2127,7 @@
     </p:spTree>
     <p:extLst>
       <p:ext uri="{BB962C8B-B14F-4D97-AF65-F5344CB8AC3E}">
-        <p14:creationId xmlns:p14="http://schemas.microsoft.com/office/powerpoint/2010/main" val="2937597351"/>
+        <p14:creationId xmlns:p14="http://schemas.microsoft.com/office/powerpoint/2010/main" val="3589996115"/>
       </p:ext>
     </p:extLst>
   </p:cSld>
@@ -2159,7 +2159,7 @@
           <p:cNvPr id="2" name="标题 1">
             <a:extLst>
               <a:ext uri="{FF2B5EF4-FFF2-40B4-BE49-F238E27FC236}">
-                <a16:creationId xmlns:a16="http://schemas.microsoft.com/office/drawing/2014/main" id="{62DE424E-9895-41FA-02EF-9AC360F430C5}"/>
+                <a16:creationId xmlns:a16="http://schemas.microsoft.com/office/drawing/2014/main" id="{3F115769-3072-CB2F-E461-7D49017D40E7}"/>
               </a:ext>
             </a:extLst>
           </p:cNvPr>
@@ -2196,7 +2196,7 @@
           <p:cNvPr id="3" name="内容占位符 2">
             <a:extLst>
               <a:ext uri="{FF2B5EF4-FFF2-40B4-BE49-F238E27FC236}">
-                <a16:creationId xmlns:a16="http://schemas.microsoft.com/office/drawing/2014/main" id="{F8150E16-CF90-C00A-B44D-5DABDAC6B26D}"/>
+                <a16:creationId xmlns:a16="http://schemas.microsoft.com/office/drawing/2014/main" id="{07C80293-228C-E618-D92F-0BD0E7318CBC}"/>
               </a:ext>
             </a:extLst>
           </p:cNvPr>
@@ -2286,7 +2286,7 @@
           <p:cNvPr id="4" name="文本占位符 3">
             <a:extLst>
               <a:ext uri="{FF2B5EF4-FFF2-40B4-BE49-F238E27FC236}">
-                <a16:creationId xmlns:a16="http://schemas.microsoft.com/office/drawing/2014/main" id="{CC86D5C3-BE2B-82F8-12D1-D8B2BFCB31D7}"/>
+                <a16:creationId xmlns:a16="http://schemas.microsoft.com/office/drawing/2014/main" id="{F8B85584-CA4C-A642-8523-E9EFD85CD3F9}"/>
               </a:ext>
             </a:extLst>
           </p:cNvPr>
@@ -2357,7 +2357,7 @@
           <p:cNvPr id="5" name="日期占位符 4">
             <a:extLst>
               <a:ext uri="{FF2B5EF4-FFF2-40B4-BE49-F238E27FC236}">
-                <a16:creationId xmlns:a16="http://schemas.microsoft.com/office/drawing/2014/main" id="{19228341-ED4F-C63E-0A0F-7E4AF980C53B}"/>
+                <a16:creationId xmlns:a16="http://schemas.microsoft.com/office/drawing/2014/main" id="{74E30399-5909-9026-8DD3-8179AEC7F8D5}"/>
               </a:ext>
             </a:extLst>
           </p:cNvPr>
@@ -2373,7 +2373,7 @@
           <a:bodyPr/>
           <a:lstStyle/>
           <a:p>
-            <a:fld id="{EAEDEE8C-67C9-4E2E-9067-5C5476BBB9AC}" type="datetimeFigureOut">
+            <a:fld id="{E539091C-0B9E-453B-AC17-4CE9C9DCA377}" type="datetimeFigureOut">
               <a:rPr lang="zh-CN" altLang="en-US" smtClean="0"/>
               <a:t>2024/3/10</a:t>
             </a:fld>
@@ -2386,7 +2386,7 @@
           <p:cNvPr id="6" name="页脚占位符 5">
             <a:extLst>
               <a:ext uri="{FF2B5EF4-FFF2-40B4-BE49-F238E27FC236}">
-                <a16:creationId xmlns:a16="http://schemas.microsoft.com/office/drawing/2014/main" id="{D5DA2830-46BE-09BB-45F6-87651C5E37B0}"/>
+                <a16:creationId xmlns:a16="http://schemas.microsoft.com/office/drawing/2014/main" id="{18454645-723C-686F-2709-198B17BB76E7}"/>
               </a:ext>
             </a:extLst>
           </p:cNvPr>
@@ -2411,7 +2411,7 @@
           <p:cNvPr id="7" name="灯片编号占位符 6">
             <a:extLst>
               <a:ext uri="{FF2B5EF4-FFF2-40B4-BE49-F238E27FC236}">
-                <a16:creationId xmlns:a16="http://schemas.microsoft.com/office/drawing/2014/main" id="{18CC8020-6204-9925-3CA5-BA8F5EDB0A4D}"/>
+                <a16:creationId xmlns:a16="http://schemas.microsoft.com/office/drawing/2014/main" id="{00E8ADD9-9E47-1D5C-33FE-7A2690A868F5}"/>
               </a:ext>
             </a:extLst>
           </p:cNvPr>
@@ -2427,7 +2427,7 @@
           <a:bodyPr/>
           <a:lstStyle/>
           <a:p>
-            <a:fld id="{7C78FC23-D023-449F-8CBD-53A61B1E3AB0}" type="slidenum">
+            <a:fld id="{8C5FD1FF-A2D4-483A-825E-C0A1A46EA83A}" type="slidenum">
               <a:rPr lang="zh-CN" altLang="en-US" smtClean="0"/>
               <a:t>‹#›</a:t>
             </a:fld>
@@ -2438,7 +2438,7 @@
     </p:spTree>
     <p:extLst>
       <p:ext uri="{BB962C8B-B14F-4D97-AF65-F5344CB8AC3E}">
-        <p14:creationId xmlns:p14="http://schemas.microsoft.com/office/powerpoint/2010/main" val="10493630"/>
+        <p14:creationId xmlns:p14="http://schemas.microsoft.com/office/powerpoint/2010/main" val="1398312208"/>
       </p:ext>
     </p:extLst>
   </p:cSld>
@@ -2470,7 +2470,7 @@
           <p:cNvPr id="2" name="标题 1">
             <a:extLst>
               <a:ext uri="{FF2B5EF4-FFF2-40B4-BE49-F238E27FC236}">
-                <a16:creationId xmlns:a16="http://schemas.microsoft.com/office/drawing/2014/main" id="{FFEC8E04-73D1-6EF4-38D8-0D06DE49EFFF}"/>
+                <a16:creationId xmlns:a16="http://schemas.microsoft.com/office/drawing/2014/main" id="{AFF2A685-3722-9CA6-9817-EF9632D81ABA}"/>
               </a:ext>
             </a:extLst>
           </p:cNvPr>
@@ -2507,7 +2507,7 @@
           <p:cNvPr id="3" name="图片占位符 2">
             <a:extLst>
               <a:ext uri="{FF2B5EF4-FFF2-40B4-BE49-F238E27FC236}">
-                <a16:creationId xmlns:a16="http://schemas.microsoft.com/office/drawing/2014/main" id="{1AD143EA-3D6F-31B9-8924-04E89F5A6989}"/>
+                <a16:creationId xmlns:a16="http://schemas.microsoft.com/office/drawing/2014/main" id="{A0D55BF2-D509-5DCE-4035-BDBFBE7DA518}"/>
               </a:ext>
             </a:extLst>
           </p:cNvPr>
@@ -2574,7 +2574,7 @@
           <p:cNvPr id="4" name="文本占位符 3">
             <a:extLst>
               <a:ext uri="{FF2B5EF4-FFF2-40B4-BE49-F238E27FC236}">
-                <a16:creationId xmlns:a16="http://schemas.microsoft.com/office/drawing/2014/main" id="{C3E180D4-E5AF-3768-33B7-E03FF5D7EA37}"/>
+                <a16:creationId xmlns:a16="http://schemas.microsoft.com/office/drawing/2014/main" id="{87BC3889-468C-B208-2004-49E6BB000382}"/>
               </a:ext>
             </a:extLst>
           </p:cNvPr>
@@ -2645,7 +2645,7 @@
           <p:cNvPr id="5" name="日期占位符 4">
             <a:extLst>
               <a:ext uri="{FF2B5EF4-FFF2-40B4-BE49-F238E27FC236}">
-                <a16:creationId xmlns:a16="http://schemas.microsoft.com/office/drawing/2014/main" id="{2D542330-1026-FF1A-F492-BE6A375070E4}"/>
+                <a16:creationId xmlns:a16="http://schemas.microsoft.com/office/drawing/2014/main" id="{E4BCCF8F-584E-26A4-8C16-8C5E03472230}"/>
               </a:ext>
             </a:extLst>
           </p:cNvPr>
@@ -2661,7 +2661,7 @@
           <a:bodyPr/>
           <a:lstStyle/>
           <a:p>
-            <a:fld id="{EAEDEE8C-67C9-4E2E-9067-5C5476BBB9AC}" type="datetimeFigureOut">
+            <a:fld id="{E539091C-0B9E-453B-AC17-4CE9C9DCA377}" type="datetimeFigureOut">
               <a:rPr lang="zh-CN" altLang="en-US" smtClean="0"/>
               <a:t>2024/3/10</a:t>
             </a:fld>
@@ -2674,7 +2674,7 @@
           <p:cNvPr id="6" name="页脚占位符 5">
             <a:extLst>
               <a:ext uri="{FF2B5EF4-FFF2-40B4-BE49-F238E27FC236}">
-                <a16:creationId xmlns:a16="http://schemas.microsoft.com/office/drawing/2014/main" id="{E6482F9A-0423-8316-BF15-B20C79291CA1}"/>
+                <a16:creationId xmlns:a16="http://schemas.microsoft.com/office/drawing/2014/main" id="{CEDC0102-BD2C-30C0-0A6E-57257A982C18}"/>
               </a:ext>
             </a:extLst>
           </p:cNvPr>
@@ -2699,7 +2699,7 @@
           <p:cNvPr id="7" name="灯片编号占位符 6">
             <a:extLst>
               <a:ext uri="{FF2B5EF4-FFF2-40B4-BE49-F238E27FC236}">
-                <a16:creationId xmlns:a16="http://schemas.microsoft.com/office/drawing/2014/main" id="{68E55573-899B-AF5E-6ECA-5EFF106E0B6C}"/>
+                <a16:creationId xmlns:a16="http://schemas.microsoft.com/office/drawing/2014/main" id="{053D6528-84F2-E1A6-BBEF-230561AE4443}"/>
               </a:ext>
             </a:extLst>
           </p:cNvPr>
@@ -2715,7 +2715,7 @@
           <a:bodyPr/>
           <a:lstStyle/>
           <a:p>
-            <a:fld id="{7C78FC23-D023-449F-8CBD-53A61B1E3AB0}" type="slidenum">
+            <a:fld id="{8C5FD1FF-A2D4-483A-825E-C0A1A46EA83A}" type="slidenum">
               <a:rPr lang="zh-CN" altLang="en-US" smtClean="0"/>
               <a:t>‹#›</a:t>
             </a:fld>
@@ -2726,7 +2726,7 @@
     </p:spTree>
     <p:extLst>
       <p:ext uri="{BB962C8B-B14F-4D97-AF65-F5344CB8AC3E}">
-        <p14:creationId xmlns:p14="http://schemas.microsoft.com/office/powerpoint/2010/main" val="3349871170"/>
+        <p14:creationId xmlns:p14="http://schemas.microsoft.com/office/powerpoint/2010/main" val="1960265434"/>
       </p:ext>
     </p:extLst>
   </p:cSld>
@@ -2763,7 +2763,7 @@
           <p:cNvPr id="2" name="标题占位符 1">
             <a:extLst>
               <a:ext uri="{FF2B5EF4-FFF2-40B4-BE49-F238E27FC236}">
-                <a16:creationId xmlns:a16="http://schemas.microsoft.com/office/drawing/2014/main" id="{04BB664C-FD87-9D3A-E660-D8F3792CBA8A}"/>
+                <a16:creationId xmlns:a16="http://schemas.microsoft.com/office/drawing/2014/main" id="{75FA8774-B68B-1AD5-D2AC-38A653952BD4}"/>
               </a:ext>
             </a:extLst>
           </p:cNvPr>
@@ -2801,7 +2801,7 @@
           <p:cNvPr id="3" name="文本占位符 2">
             <a:extLst>
               <a:ext uri="{FF2B5EF4-FFF2-40B4-BE49-F238E27FC236}">
-                <a16:creationId xmlns:a16="http://schemas.microsoft.com/office/drawing/2014/main" id="{F0F88108-40D2-929E-0C0C-F79CA6BDE335}"/>
+                <a16:creationId xmlns:a16="http://schemas.microsoft.com/office/drawing/2014/main" id="{7E13F6A6-A63B-591A-5D35-9D0DFADB896B}"/>
               </a:ext>
             </a:extLst>
           </p:cNvPr>
@@ -2868,7 +2868,7 @@
           <p:cNvPr id="4" name="日期占位符 3">
             <a:extLst>
               <a:ext uri="{FF2B5EF4-FFF2-40B4-BE49-F238E27FC236}">
-                <a16:creationId xmlns:a16="http://schemas.microsoft.com/office/drawing/2014/main" id="{B68D3D6A-4BFF-7737-2944-587519160FBD}"/>
+                <a16:creationId xmlns:a16="http://schemas.microsoft.com/office/drawing/2014/main" id="{595CDACC-5838-88C7-89A3-71E6CDF240C6}"/>
               </a:ext>
             </a:extLst>
           </p:cNvPr>
@@ -2902,7 +2902,7 @@
             </a:lvl1pPr>
           </a:lstStyle>
           <a:p>
-            <a:fld id="{EAEDEE8C-67C9-4E2E-9067-5C5476BBB9AC}" type="datetimeFigureOut">
+            <a:fld id="{E539091C-0B9E-453B-AC17-4CE9C9DCA377}" type="datetimeFigureOut">
               <a:rPr lang="zh-CN" altLang="en-US" smtClean="0"/>
               <a:t>2024/3/10</a:t>
             </a:fld>
@@ -2915,7 +2915,7 @@
           <p:cNvPr id="5" name="页脚占位符 4">
             <a:extLst>
               <a:ext uri="{FF2B5EF4-FFF2-40B4-BE49-F238E27FC236}">
-                <a16:creationId xmlns:a16="http://schemas.microsoft.com/office/drawing/2014/main" id="{3E74B9A7-79AA-F452-AFC6-CC7C230B282F}"/>
+                <a16:creationId xmlns:a16="http://schemas.microsoft.com/office/drawing/2014/main" id="{7135089E-6AE1-F0FA-B325-D518D0F8317E}"/>
               </a:ext>
             </a:extLst>
           </p:cNvPr>
@@ -2958,7 +2958,7 @@
           <p:cNvPr id="6" name="灯片编号占位符 5">
             <a:extLst>
               <a:ext uri="{FF2B5EF4-FFF2-40B4-BE49-F238E27FC236}">
-                <a16:creationId xmlns:a16="http://schemas.microsoft.com/office/drawing/2014/main" id="{605E8E29-7F3B-677D-6F02-4129589E592B}"/>
+                <a16:creationId xmlns:a16="http://schemas.microsoft.com/office/drawing/2014/main" id="{1AE6A206-21BA-4A5C-142C-5C4EB56C72BC}"/>
               </a:ext>
             </a:extLst>
           </p:cNvPr>
@@ -2992,7 +2992,7 @@
             </a:lvl1pPr>
           </a:lstStyle>
           <a:p>
-            <a:fld id="{7C78FC23-D023-449F-8CBD-53A61B1E3AB0}" type="slidenum">
+            <a:fld id="{8C5FD1FF-A2D4-483A-825E-C0A1A46EA83A}" type="slidenum">
               <a:rPr lang="zh-CN" altLang="en-US" smtClean="0"/>
               <a:t>‹#›</a:t>
             </a:fld>
@@ -3003,7 +3003,7 @@
     </p:spTree>
     <p:extLst>
       <p:ext uri="{BB962C8B-B14F-4D97-AF65-F5344CB8AC3E}">
-        <p14:creationId xmlns:p14="http://schemas.microsoft.com/office/powerpoint/2010/main" val="2945414720"/>
+        <p14:creationId xmlns:p14="http://schemas.microsoft.com/office/powerpoint/2010/main" val="2154560053"/>
       </p:ext>
     </p:extLst>
   </p:cSld>
